--- a/ICE-T.pptx
+++ b/ICE-T.pptx
@@ -5,7 +5,7 @@
     <p:sldMasterId id="2147483661" r:id="rId1"/>
   </p:sldMasterIdLst>
   <p:notesMasterIdLst>
-    <p:notesMasterId r:id="rId31"/>
+    <p:notesMasterId r:id="rId30"/>
   </p:notesMasterIdLst>
   <p:sldIdLst>
     <p:sldId id="256" r:id="rId2"/>
@@ -36,7 +36,6 @@
     <p:sldId id="286" r:id="rId27"/>
     <p:sldId id="287" r:id="rId28"/>
     <p:sldId id="289" r:id="rId29"/>
-    <p:sldId id="290" r:id="rId30"/>
   </p:sldIdLst>
   <p:sldSz cx="12192000" cy="6858000"/>
   <p:notesSz cx="6858000" cy="9144000"/>
@@ -3493,24 +3492,24 @@
     </dgm:pt>
   </dgm:ptLst>
   <dgm:cxnLst>
-    <dgm:cxn modelId="{0B37D6F9-465D-4C4E-9B77-E0EAF28777D1}" type="presOf" srcId="{B917332C-9663-474A-9CEE-D44D73B7B004}" destId="{9789DD84-259D-4DBD-B8A7-121166A337D0}" srcOrd="0" destOrd="0" presId="urn:microsoft.com/office/officeart/2005/8/layout/hierarchy1"/>
-    <dgm:cxn modelId="{42CCEC4E-1C9E-4166-AA56-C0FA6544DD76}" type="presOf" srcId="{6DDC56C3-F36A-4EA0-B726-C37D54D67C36}" destId="{4D7E4F08-4F30-4D58-A16B-38E5704F98C1}" srcOrd="0" destOrd="0" presId="urn:microsoft.com/office/officeart/2005/8/layout/hierarchy1"/>
-    <dgm:cxn modelId="{F1793E0D-E2BE-4A1A-B331-8B50DBD7CA59}" srcId="{267C3F17-089E-4E70-A738-5096B900B6FC}" destId="{E8A3AD13-D60B-499D-A0D7-53F7992B3E12}" srcOrd="0" destOrd="0" parTransId="{1A3E3215-858D-4006-AC1C-1C32D8811843}" sibTransId="{E31820CE-E018-4C27-B3F7-C63B5F727F12}"/>
-    <dgm:cxn modelId="{FE4E0AC8-ECF4-4121-A609-2B5E96B07099}" srcId="{C37B2F29-BAFC-4285-9AAE-A7A005D54110}" destId="{B917332C-9663-474A-9CEE-D44D73B7B004}" srcOrd="0" destOrd="0" parTransId="{6DDC56C3-F36A-4EA0-B726-C37D54D67C36}" sibTransId="{461CA1A8-9C2F-4614-8A73-63CA18F6BEAE}"/>
-    <dgm:cxn modelId="{19171A2B-73CF-4E4A-BCE0-CE274D6100B9}" type="presOf" srcId="{C22C452B-3820-4572-A497-FB8182F3EE1D}" destId="{3D56391F-DA02-4208-9D29-8C9360DDCC88}" srcOrd="0" destOrd="0" presId="urn:microsoft.com/office/officeart/2005/8/layout/hierarchy1"/>
-    <dgm:cxn modelId="{59007E4A-E24A-43F7-932B-D9F91817292F}" srcId="{E8A3AD13-D60B-499D-A0D7-53F7992B3E12}" destId="{C37B2F29-BAFC-4285-9AAE-A7A005D54110}" srcOrd="0" destOrd="0" parTransId="{58613F49-BDE8-4BB3-B292-79CE71944B6F}" sibTransId="{B25F55CC-47C8-4C55-8299-4813E509399C}"/>
-    <dgm:cxn modelId="{DF7FEA71-39BF-4CC1-A08E-17E27FEC1DFB}" srcId="{BE4349FD-0DB6-4C97-92D0-4AD23E06FE1F}" destId="{E857AB37-8A96-4245-9A6E-43A055A2C3B7}" srcOrd="0" destOrd="0" parTransId="{AFED8DAD-7955-4D08-AC93-1B6571EA2B6C}" sibTransId="{69FCC95A-202C-49EB-87C8-E7D570E9F86E}"/>
-    <dgm:cxn modelId="{44897B00-180C-4E61-8C68-AD75E1945353}" type="presOf" srcId="{E8A3AD13-D60B-499D-A0D7-53F7992B3E12}" destId="{59037D3C-9B0F-4A0B-80AD-34FF71F92447}" srcOrd="0" destOrd="0" presId="urn:microsoft.com/office/officeart/2005/8/layout/hierarchy1"/>
-    <dgm:cxn modelId="{7C0E9F6C-633C-47F7-8AF0-8AB8D1076D7B}" type="presOf" srcId="{93DBC787-324E-478B-9839-84258984260B}" destId="{39E4DA61-2EB5-431C-8929-564B1986ED8B}" srcOrd="0" destOrd="0" presId="urn:microsoft.com/office/officeart/2005/8/layout/hierarchy1"/>
-    <dgm:cxn modelId="{2DF6883E-FD99-4E06-B3A9-CD00E4C1CB0D}" srcId="{E8A3AD13-D60B-499D-A0D7-53F7992B3E12}" destId="{BE4349FD-0DB6-4C97-92D0-4AD23E06FE1F}" srcOrd="1" destOrd="0" parTransId="{C22C452B-3820-4572-A497-FB8182F3EE1D}" sibTransId="{B919E306-689B-479B-AEB3-2DCFE5AF05F1}"/>
-    <dgm:cxn modelId="{C78DEF5C-F031-4FD6-8012-931737426AB6}" type="presOf" srcId="{267C3F17-089E-4E70-A738-5096B900B6FC}" destId="{2B8E7A3D-2C01-4E5E-901D-C2B351CF1AD6}" srcOrd="0" destOrd="0" presId="urn:microsoft.com/office/officeart/2005/8/layout/hierarchy1"/>
-    <dgm:cxn modelId="{28D7802F-1E48-4A69-A5EE-6AD7F86C0863}" type="presOf" srcId="{C37B2F29-BAFC-4285-9AAE-A7A005D54110}" destId="{1D2BCAB7-E828-4452-AA41-12ADEA8F10CB}" srcOrd="0" destOrd="0" presId="urn:microsoft.com/office/officeart/2005/8/layout/hierarchy1"/>
     <dgm:cxn modelId="{768224EC-942D-464F-8202-74FC8E1BA6EE}" srcId="{C37B2F29-BAFC-4285-9AAE-A7A005D54110}" destId="{99AEF897-BFF3-4AB6-ACB5-7D04305FBCEC}" srcOrd="1" destOrd="0" parTransId="{93DBC787-324E-478B-9839-84258984260B}" sibTransId="{FE551E75-CBB8-4BC2-8CBD-03EFA145291E}"/>
     <dgm:cxn modelId="{59D57B83-31B1-44C1-B99C-84D5E385F18B}" type="presOf" srcId="{58613F49-BDE8-4BB3-B292-79CE71944B6F}" destId="{076F2425-AABF-496B-99B3-CFA12D2ED7C3}" srcOrd="0" destOrd="0" presId="urn:microsoft.com/office/officeart/2005/8/layout/hierarchy1"/>
+    <dgm:cxn modelId="{59007E4A-E24A-43F7-932B-D9F91817292F}" srcId="{E8A3AD13-D60B-499D-A0D7-53F7992B3E12}" destId="{C37B2F29-BAFC-4285-9AAE-A7A005D54110}" srcOrd="0" destOrd="0" parTransId="{58613F49-BDE8-4BB3-B292-79CE71944B6F}" sibTransId="{B25F55CC-47C8-4C55-8299-4813E509399C}"/>
+    <dgm:cxn modelId="{E91CD467-0678-4514-ABFF-EAE76F8D46B9}" type="presOf" srcId="{AFED8DAD-7955-4D08-AC93-1B6571EA2B6C}" destId="{2AE3065D-F891-4056-B14F-BF49DA55C384}" srcOrd="0" destOrd="0" presId="urn:microsoft.com/office/officeart/2005/8/layout/hierarchy1"/>
+    <dgm:cxn modelId="{2DF6883E-FD99-4E06-B3A9-CD00E4C1CB0D}" srcId="{E8A3AD13-D60B-499D-A0D7-53F7992B3E12}" destId="{BE4349FD-0DB6-4C97-92D0-4AD23E06FE1F}" srcOrd="1" destOrd="0" parTransId="{C22C452B-3820-4572-A497-FB8182F3EE1D}" sibTransId="{B919E306-689B-479B-AEB3-2DCFE5AF05F1}"/>
+    <dgm:cxn modelId="{0B37D6F9-465D-4C4E-9B77-E0EAF28777D1}" type="presOf" srcId="{B917332C-9663-474A-9CEE-D44D73B7B004}" destId="{9789DD84-259D-4DBD-B8A7-121166A337D0}" srcOrd="0" destOrd="0" presId="urn:microsoft.com/office/officeart/2005/8/layout/hierarchy1"/>
+    <dgm:cxn modelId="{43C96D5A-93C6-4F6B-B574-0B23BE3B8648}" type="presOf" srcId="{99AEF897-BFF3-4AB6-ACB5-7D04305FBCEC}" destId="{4CC26C3A-DAE4-4844-BA38-BB9A0FC91A0E}" srcOrd="0" destOrd="0" presId="urn:microsoft.com/office/officeart/2005/8/layout/hierarchy1"/>
+    <dgm:cxn modelId="{C78DEF5C-F031-4FD6-8012-931737426AB6}" type="presOf" srcId="{267C3F17-089E-4E70-A738-5096B900B6FC}" destId="{2B8E7A3D-2C01-4E5E-901D-C2B351CF1AD6}" srcOrd="0" destOrd="0" presId="urn:microsoft.com/office/officeart/2005/8/layout/hierarchy1"/>
+    <dgm:cxn modelId="{42CCEC4E-1C9E-4166-AA56-C0FA6544DD76}" type="presOf" srcId="{6DDC56C3-F36A-4EA0-B726-C37D54D67C36}" destId="{4D7E4F08-4F30-4D58-A16B-38E5704F98C1}" srcOrd="0" destOrd="0" presId="urn:microsoft.com/office/officeart/2005/8/layout/hierarchy1"/>
+    <dgm:cxn modelId="{FE4E0AC8-ECF4-4121-A609-2B5E96B07099}" srcId="{C37B2F29-BAFC-4285-9AAE-A7A005D54110}" destId="{B917332C-9663-474A-9CEE-D44D73B7B004}" srcOrd="0" destOrd="0" parTransId="{6DDC56C3-F36A-4EA0-B726-C37D54D67C36}" sibTransId="{461CA1A8-9C2F-4614-8A73-63CA18F6BEAE}"/>
+    <dgm:cxn modelId="{7C0E9F6C-633C-47F7-8AF0-8AB8D1076D7B}" type="presOf" srcId="{93DBC787-324E-478B-9839-84258984260B}" destId="{39E4DA61-2EB5-431C-8929-564B1986ED8B}" srcOrd="0" destOrd="0" presId="urn:microsoft.com/office/officeart/2005/8/layout/hierarchy1"/>
+    <dgm:cxn modelId="{F1793E0D-E2BE-4A1A-B331-8B50DBD7CA59}" srcId="{267C3F17-089E-4E70-A738-5096B900B6FC}" destId="{E8A3AD13-D60B-499D-A0D7-53F7992B3E12}" srcOrd="0" destOrd="0" parTransId="{1A3E3215-858D-4006-AC1C-1C32D8811843}" sibTransId="{E31820CE-E018-4C27-B3F7-C63B5F727F12}"/>
+    <dgm:cxn modelId="{19171A2B-73CF-4E4A-BCE0-CE274D6100B9}" type="presOf" srcId="{C22C452B-3820-4572-A497-FB8182F3EE1D}" destId="{3D56391F-DA02-4208-9D29-8C9360DDCC88}" srcOrd="0" destOrd="0" presId="urn:microsoft.com/office/officeart/2005/8/layout/hierarchy1"/>
+    <dgm:cxn modelId="{44897B00-180C-4E61-8C68-AD75E1945353}" type="presOf" srcId="{E8A3AD13-D60B-499D-A0D7-53F7992B3E12}" destId="{59037D3C-9B0F-4A0B-80AD-34FF71F92447}" srcOrd="0" destOrd="0" presId="urn:microsoft.com/office/officeart/2005/8/layout/hierarchy1"/>
+    <dgm:cxn modelId="{DF7FEA71-39BF-4CC1-A08E-17E27FEC1DFB}" srcId="{BE4349FD-0DB6-4C97-92D0-4AD23E06FE1F}" destId="{E857AB37-8A96-4245-9A6E-43A055A2C3B7}" srcOrd="0" destOrd="0" parTransId="{AFED8DAD-7955-4D08-AC93-1B6571EA2B6C}" sibTransId="{69FCC95A-202C-49EB-87C8-E7D570E9F86E}"/>
     <dgm:cxn modelId="{FF4AB394-A224-4938-ACB8-8F6625BCCD68}" type="presOf" srcId="{BE4349FD-0DB6-4C97-92D0-4AD23E06FE1F}" destId="{B2BFFCC6-ECAC-4FAE-8D25-7D1555BF2BBD}" srcOrd="0" destOrd="0" presId="urn:microsoft.com/office/officeart/2005/8/layout/hierarchy1"/>
-    <dgm:cxn modelId="{E91CD467-0678-4514-ABFF-EAE76F8D46B9}" type="presOf" srcId="{AFED8DAD-7955-4D08-AC93-1B6571EA2B6C}" destId="{2AE3065D-F891-4056-B14F-BF49DA55C384}" srcOrd="0" destOrd="0" presId="urn:microsoft.com/office/officeart/2005/8/layout/hierarchy1"/>
+    <dgm:cxn modelId="{28D7802F-1E48-4A69-A5EE-6AD7F86C0863}" type="presOf" srcId="{C37B2F29-BAFC-4285-9AAE-A7A005D54110}" destId="{1D2BCAB7-E828-4452-AA41-12ADEA8F10CB}" srcOrd="0" destOrd="0" presId="urn:microsoft.com/office/officeart/2005/8/layout/hierarchy1"/>
     <dgm:cxn modelId="{1BFE5530-55A2-4377-B84E-74A4FBA1D669}" type="presOf" srcId="{E857AB37-8A96-4245-9A6E-43A055A2C3B7}" destId="{33B153DF-4DAA-4DFA-B1B6-3BED48043860}" srcOrd="0" destOrd="0" presId="urn:microsoft.com/office/officeart/2005/8/layout/hierarchy1"/>
-    <dgm:cxn modelId="{43C96D5A-93C6-4F6B-B574-0B23BE3B8648}" type="presOf" srcId="{99AEF897-BFF3-4AB6-ACB5-7D04305FBCEC}" destId="{4CC26C3A-DAE4-4844-BA38-BB9A0FC91A0E}" srcOrd="0" destOrd="0" presId="urn:microsoft.com/office/officeart/2005/8/layout/hierarchy1"/>
     <dgm:cxn modelId="{D2D76EE8-0D2F-40EE-99C3-7A3B7B4C03E7}" type="presParOf" srcId="{2B8E7A3D-2C01-4E5E-901D-C2B351CF1AD6}" destId="{6FB6C0C0-D095-40B8-864D-91806C77EB7A}" srcOrd="0" destOrd="0" presId="urn:microsoft.com/office/officeart/2005/8/layout/hierarchy1"/>
     <dgm:cxn modelId="{9DF4458F-E491-45A4-AFF8-A73D185EBB13}" type="presParOf" srcId="{6FB6C0C0-D095-40B8-864D-91806C77EB7A}" destId="{F8BA885F-57EF-4351-9C88-E2D585783391}" srcOrd="0" destOrd="0" presId="urn:microsoft.com/office/officeart/2005/8/layout/hierarchy1"/>
     <dgm:cxn modelId="{AC8EEB41-ED1C-426E-AD7F-D50C4C9A3CD2}" type="presParOf" srcId="{F8BA885F-57EF-4351-9C88-E2D585783391}" destId="{17EC4C25-082E-4F9C-9E3B-547D7790830B}" srcOrd="0" destOrd="0" presId="urn:microsoft.com/office/officeart/2005/8/layout/hierarchy1"/>
@@ -12465,72 +12464,6 @@
 </p:notes>
 </file>
 
-<file path=ppt/notesSlides/notesSlide29.xml><?xml version="1.0" encoding="utf-8"?>
-<p:notes xmlns:a="http://schemas.openxmlformats.org/drawingml/2006/main" xmlns:r="http://schemas.openxmlformats.org/officeDocument/2006/relationships" xmlns:p="http://schemas.openxmlformats.org/presentationml/2006/main">
-  <p:cSld>
-    <p:spTree>
-      <p:nvGrpSpPr>
-        <p:cNvPr id="1" name=""/>
-        <p:cNvGrpSpPr/>
-        <p:nvPr/>
-      </p:nvGrpSpPr>
-      <p:grpSpPr>
-        <a:xfrm>
-          <a:off x="0" y="0"/>
-          <a:ext cx="0" cy="0"/>
-          <a:chOff x="0" y="0"/>
-          <a:chExt cx="0" cy="0"/>
-        </a:xfrm>
-      </p:grpSpPr>
-      <p:sp>
-        <p:nvSpPr>
-          <p:cNvPr id="2" name="Slide Image Placeholder 1"/>
-          <p:cNvSpPr>
-            <a:spLocks noGrp="1" noRot="1" noChangeAspect="1"/>
-          </p:cNvSpPr>
-          <p:nvPr>
-            <p:ph type="sldImg"/>
-          </p:nvPr>
-        </p:nvSpPr>
-        <p:spPr>
-          <a:xfrm>
-            <a:off x="381000" y="685800"/>
-            <a:ext cx="6096000" cy="3429000"/>
-          </a:xfrm>
-        </p:spPr>
-      </p:sp>
-      <p:sp>
-        <p:nvSpPr>
-          <p:cNvPr id="3" name="Notes Placeholder 2"/>
-          <p:cNvSpPr>
-            <a:spLocks noGrp="1"/>
-          </p:cNvSpPr>
-          <p:nvPr>
-            <p:ph type="body" idx="1"/>
-          </p:nvPr>
-        </p:nvSpPr>
-        <p:spPr/>
-        <p:txBody>
-          <a:bodyPr/>
-          <a:lstStyle/>
-          <a:p>
-            <a:endParaRPr lang="en-US"/>
-          </a:p>
-        </p:txBody>
-      </p:sp>
-    </p:spTree>
-    <p:extLst>
-      <p:ext uri="{BB962C8B-B14F-4D97-AF65-F5344CB8AC3E}">
-        <p14:creationId xmlns:p14="http://schemas.microsoft.com/office/powerpoint/2010/main" val="3647155852"/>
-      </p:ext>
-    </p:extLst>
-  </p:cSld>
-  <p:clrMapOvr>
-    <a:masterClrMapping/>
-  </p:clrMapOvr>
-</p:notes>
-</file>
-
 <file path=ppt/notesSlides/notesSlide3.xml><?xml version="1.0" encoding="utf-8"?>
 <p:notes xmlns:a="http://schemas.openxmlformats.org/drawingml/2006/main" xmlns:r="http://schemas.openxmlformats.org/officeDocument/2006/relationships" xmlns:p="http://schemas.openxmlformats.org/presentationml/2006/main" showMasterSp="0" showMasterPhAnim="0">
   <p:cSld>
@@ -30109,8 +30042,8 @@
         </p:nvSpPr>
         <p:spPr>
           <a:xfrm>
-            <a:off x="742950" y="1428750"/>
-            <a:ext cx="10515600" cy="5216838"/>
+            <a:off x="867049" y="2057400"/>
+            <a:ext cx="10515600" cy="3855545"/>
           </a:xfrm>
           <a:prstGeom prst="rect">
             <a:avLst/>
@@ -30181,37 +30114,6 @@
                 <a:sym typeface="Calibri"/>
               </a:rPr>
               <a:t> is an originally Japanese management concept for incremental (gradual, continuous) change (improvement). </a:t>
-            </a:r>
-            <a:endParaRPr lang="en-US" sz="2800" dirty="0">
-              <a:solidFill>
-                <a:schemeClr val="tx1"/>
-              </a:solidFill>
-              <a:latin typeface="Calibri"/>
-              <a:ea typeface="Calibri"/>
-              <a:cs typeface="Calibri"/>
-              <a:sym typeface="Calibri"/>
-            </a:endParaRPr>
-          </a:p>
-          <a:p>
-            <a:pPr marL="457200" indent="-457200">
-              <a:buClr>
-                <a:srgbClr val="C00000"/>
-              </a:buClr>
-              <a:buSzPct val="100000"/>
-              <a:buFont typeface="Arial" panose="020B0604020202020204" pitchFamily="34" charset="0"/>
-              <a:buChar char="•"/>
-            </a:pPr>
-            <a:r>
-              <a:rPr lang="EN-US" sz="2800" dirty="0">
-                <a:solidFill>
-                  <a:schemeClr val="tx1"/>
-                </a:solidFill>
-                <a:latin typeface="Calibri"/>
-                <a:ea typeface="Calibri"/>
-                <a:cs typeface="Calibri"/>
-                <a:sym typeface="Calibri"/>
-              </a:rPr>
-              <a:t>Kaizen is actually a way of life philosophy, assuming that every aspect of our life deserves to be constantly improved. </a:t>
             </a:r>
             <a:endParaRPr lang="en-US" sz="2800" dirty="0">
               <a:solidFill>
@@ -31123,7 +31025,55 @@
                 <a:cs typeface="Calibri"/>
                 <a:sym typeface="Calibri"/>
               </a:rPr>
-              <a:t>When Kaizen is compared to BPR is it clear the Kaizen philosophy is more </a:t>
+              <a:t>When </a:t>
+            </a:r>
+            <a:r>
+              <a:rPr lang="EN-US" sz="2000" dirty="0">
+                <a:solidFill>
+                  <a:srgbClr val="EF8600"/>
+                </a:solidFill>
+                <a:latin typeface="Calibri"/>
+                <a:ea typeface="Calibri"/>
+                <a:cs typeface="Calibri"/>
+                <a:sym typeface="Calibri"/>
+              </a:rPr>
+              <a:t>Kaizen</a:t>
+            </a:r>
+            <a:r>
+              <a:rPr lang="EN-US" sz="2000" dirty="0">
+                <a:solidFill>
+                  <a:schemeClr val="tx1"/>
+                </a:solidFill>
+                <a:latin typeface="Calibri"/>
+                <a:ea typeface="Calibri"/>
+                <a:cs typeface="Calibri"/>
+                <a:sym typeface="Calibri"/>
+              </a:rPr>
+              <a:t> is compared to </a:t>
+            </a:r>
+            <a:r>
+              <a:rPr lang="EN-US" sz="2000" dirty="0">
+                <a:solidFill>
+                  <a:srgbClr val="EF8600"/>
+                </a:solidFill>
+                <a:latin typeface="Calibri"/>
+                <a:ea typeface="Calibri"/>
+                <a:cs typeface="Calibri"/>
+                <a:sym typeface="Calibri"/>
+              </a:rPr>
+              <a:t>BPR</a:t>
+            </a:r>
+            <a:r>
+              <a:rPr lang="EN-US" sz="2000" dirty="0">
+                <a:solidFill>
+                  <a:schemeClr val="tx1"/>
+                </a:solidFill>
+                <a:latin typeface="Calibri"/>
+                <a:ea typeface="Calibri"/>
+                <a:cs typeface="Calibri"/>
+                <a:sym typeface="Calibri"/>
+              </a:rPr>
+              <a:t> is it clear the Kaizen philosophy is more </a:t>
             </a:r>
             <a:r>
               <a:rPr lang="EN-US" sz="2000" b="1" dirty="0">
@@ -31420,6 +31370,42 @@
           </a:p>
         </p:txBody>
       </p:sp>
+      <p:cxnSp>
+        <p:nvCxnSpPr>
+          <p:cNvPr id="2" name="Straight Arrow Connector 1"/>
+          <p:cNvCxnSpPr/>
+          <p:nvPr/>
+        </p:nvCxnSpPr>
+        <p:spPr>
+          <a:xfrm>
+            <a:off x="321297" y="3405233"/>
+            <a:ext cx="11363446" cy="12860"/>
+          </a:xfrm>
+          <a:prstGeom prst="straightConnector1">
+            <a:avLst/>
+          </a:prstGeom>
+          <a:ln>
+            <a:headEnd type="none"/>
+            <a:tailEnd type="none"/>
+          </a:ln>
+        </p:spPr>
+        <p:style>
+          <a:lnRef idx="2">
+            <a:schemeClr val="accent1">
+              <a:shade val="50000"/>
+            </a:schemeClr>
+          </a:lnRef>
+          <a:fillRef idx="1">
+            <a:schemeClr val="accent1"/>
+          </a:fillRef>
+          <a:effectRef idx="0">
+            <a:schemeClr val="accent1"/>
+          </a:effectRef>
+          <a:fontRef idx="minor">
+            <a:schemeClr val="lt1"/>
+          </a:fontRef>
+        </p:style>
+      </p:cxnSp>
     </p:spTree>
     <p:extLst>
       <p:ext uri="{BB962C8B-B14F-4D97-AF65-F5344CB8AC3E}">
@@ -31704,7 +31690,7 @@
         </p:blipFill>
         <p:spPr>
           <a:xfrm>
-            <a:off x="8280122" y="4324350"/>
+            <a:off x="8283051" y="4357077"/>
             <a:ext cx="3732245" cy="2500604"/>
           </a:xfrm>
           <a:prstGeom prst="rect">
@@ -31746,93 +31732,6 @@
     <p:extLst>
       <p:ext uri="{BB962C8B-B14F-4D97-AF65-F5344CB8AC3E}">
         <p14:creationId xmlns:p14="http://schemas.microsoft.com/office/powerpoint/2010/main" val="4053824511"/>
-      </p:ext>
-    </p:extLst>
-  </p:cSld>
-  <p:clrMapOvr>
-    <a:masterClrMapping/>
-  </p:clrMapOvr>
-</p:sld>
-</file>
-
-<file path=ppt/slides/slide29.xml><?xml version="1.0" encoding="utf-8"?>
-<p:sld xmlns:a="http://schemas.openxmlformats.org/drawingml/2006/main" xmlns:r="http://schemas.openxmlformats.org/officeDocument/2006/relationships" xmlns:p="http://schemas.openxmlformats.org/presentationml/2006/main">
-  <p:cSld>
-    <p:spTree>
-      <p:nvGrpSpPr>
-        <p:cNvPr id="1" name=""/>
-        <p:cNvGrpSpPr/>
-        <p:nvPr/>
-      </p:nvGrpSpPr>
-      <p:grpSpPr>
-        <a:xfrm>
-          <a:off x="0" y="0"/>
-          <a:ext cx="0" cy="0"/>
-          <a:chOff x="0" y="0"/>
-          <a:chExt cx="0" cy="0"/>
-        </a:xfrm>
-      </p:grpSpPr>
-      <mc:AlternateContent xmlns:mc="http://schemas.openxmlformats.org/markup-compatibility/2006">
-        <mc:Choice xmlns:we="http://schemas.microsoft.com/office/webextensions/webextension/2010/11" xmlns:pca="http://schemas.microsoft.com/office/powerpoint/2013/contentapp" Requires="we pca">
-          <p:graphicFrame>
-            <p:nvGraphicFramePr>
-              <p:cNvPr id="4" name="Object 3"/>
-              <p:cNvGraphicFramePr/>
-              <p:nvPr/>
-            </p:nvGraphicFramePr>
-            <p:xfrm>
-              <a:off x="2137558" y="461596"/>
-              <a:ext cx="7916883" cy="5934807"/>
-            </p:xfrm>
-            <a:graphic>
-              <a:graphicData uri="http://schemas.microsoft.com/office/webextensions/webextension/2010/11">
-                <we:webextensionref xmlns:we="http://schemas.microsoft.com/office/webextensions/webextension/2010/11" xmlns:r="http://schemas.openxmlformats.org/officeDocument/2006/relationships" r:id="rId3"/>
-              </a:graphicData>
-            </a:graphic>
-          </p:graphicFrame>
-        </mc:Choice>
-        <mc:Fallback>
-          <p:pic>
-            <p:nvPicPr>
-              <p:cNvPr id="4" name="Object 3"/>
-              <p:cNvPicPr>
-                <a:picLocks noGrp="1" noRot="1" noChangeAspect="1" noMove="1" noResize="1" noEditPoints="1" noAdjustHandles="1" noChangeArrowheads="1" noChangeShapeType="1"/>
-              </p:cNvPicPr>
-              <p:nvPr/>
-            </p:nvPicPr>
-            <p:blipFill>
-              <a:blip r:embed="rId4">
-                <a:clrChange>
-                  <a:clrFrom>
-                    <a:prstClr val="black"/>
-                  </a:clrFrom>
-                  <a:clrTo>
-                    <a:prstClr val="black">
-                      <a:alpha val="0"/>
-                    </a:prstClr>
-                  </a:clrTo>
-                </a:clrChange>
-              </a:blip>
-              <a:stretch>
-                <a:fillRect/>
-              </a:stretch>
-            </p:blipFill>
-            <p:spPr>
-              <a:xfrm>
-                <a:off x="2137558" y="461596"/>
-                <a:ext cx="7916883" cy="5934807"/>
-              </a:xfrm>
-              <a:prstGeom prst="rect">
-                <a:avLst/>
-              </a:prstGeom>
-            </p:spPr>
-          </p:pic>
-        </mc:Fallback>
-      </mc:AlternateContent>
-    </p:spTree>
-    <p:extLst>
-      <p:ext uri="{BB962C8B-B14F-4D97-AF65-F5344CB8AC3E}">
-        <p14:creationId xmlns:p14="http://schemas.microsoft.com/office/powerpoint/2010/main" val="3380054026"/>
       </p:ext>
     </p:extLst>
   </p:cSld>
@@ -35130,16 +35029,4 @@
   <a:objectDefaults/>
   <a:extraClrSchemeLst/>
 </a:theme>
-</file>
-
-<file path=ppt/webextensions/webextension1.xml><?xml version="1.0" encoding="utf-8"?>
-<we:webextension xmlns:we="http://schemas.microsoft.com/office/webextensions/webextension/2010/11" id="{3893358C-6378-4202-B176-653FE6DC840A}">
-  <we:reference id="WA104373175" version="1.0.0.0" store="en-US" storeType="omex"/>
-  <we:alternateReferences>
-    <we:reference id="WA104373175" version="1.0.0.0" store="omex" storeType="omex"/>
-  </we:alternateReferences>
-  <we:properties/>
-  <we:bindings/>
-  <we:snapshot xmlns:r="http://schemas.openxmlformats.org/officeDocument/2006/relationships"/>
-</we:webextension>
 </file>